--- a/Class12-13_news-data/news-data-presentation.pptx
+++ b/Class12-13_news-data/news-data-presentation.pptx
@@ -5973,16 +5973,13 @@
             </a:pPr>
             <a:r>
               <a:rPr lang="en-US" dirty="0" smtClean="0"/>
-              <a:t>Editor / News Director calls you into his office. He tells you that in the next few hours there is going to an announcement about UNC scandal by the NCAA. It has been since May since any news has come out. Prepare an interactive about the </a:t>
-            </a:r>
-            <a:r>
-              <a:rPr lang="en-US" dirty="0" err="1" smtClean="0"/>
-              <a:t>scandle</a:t>
-            </a:r>
-            <a:r>
-              <a:rPr lang="en-US" dirty="0" smtClean="0"/>
-              <a:t>.</a:t>
-            </a:r>
+              <a:t>Editor / News Director calls you into his office. He tells you that in the next few hours there is going to an announcement about UNC scandal by the NCAA. It has been since May since any news has come out. Prepare an interactive about </a:t>
+            </a:r>
+            <a:r>
+              <a:rPr lang="en-US" smtClean="0"/>
+              <a:t>the scandal.</a:t>
+            </a:r>
+            <a:endParaRPr lang="en-US" dirty="0" smtClean="0"/>
           </a:p>
           <a:p>
             <a:pPr marL="0" indent="0">
